--- a/teaching/ITIS6200/2023fa/lectures/lec16.TCP.pptx
+++ b/teaching/ITIS6200/2023fa/lectures/lec16.TCP.pptx
@@ -25,8 +25,8 @@
     <p:sldId id="301" r:id="rId16"/>
     <p:sldId id="302" r:id="rId17"/>
     <p:sldId id="303" r:id="rId18"/>
-    <p:sldId id="304" r:id="rId19"/>
-    <p:sldId id="305" r:id="rId20"/>
+    <p:sldId id="305" r:id="rId19"/>
+    <p:sldId id="304" r:id="rId20"/>
     <p:sldId id="306" r:id="rId21"/>
     <p:sldId id="285" r:id="rId22"/>
   </p:sldIdLst>
@@ -1027,10 +1027,10 @@
               <a:buNone/>
             </a:pPr>
             <a:r>
-              <a:rPr lang="en"/>
+              <a:rPr lang="en" dirty="0"/>
               <a:t>TODO</a:t>
             </a:r>
-            <a:endParaRPr/>
+            <a:endParaRPr dirty="0"/>
           </a:p>
         </p:txBody>
       </p:sp>
@@ -1679,6 +1679,114 @@
   <p:cSld>
     <p:spTree>
       <p:nvGrpSpPr>
+        <p:cNvPr id="1" name="Shape 277"/>
+        <p:cNvGrpSpPr/>
+        <p:nvPr/>
+      </p:nvGrpSpPr>
+      <p:grpSpPr>
+        <a:xfrm>
+          <a:off x="0" y="0"/>
+          <a:ext cx="0" cy="0"/>
+          <a:chOff x="0" y="0"/>
+          <a:chExt cx="0" cy="0"/>
+        </a:xfrm>
+      </p:grpSpPr>
+      <p:sp>
+        <p:nvSpPr>
+          <p:cNvPr id="278" name="Google Shape;278;ge0b73e9ba0_0_693:notes"/>
+          <p:cNvSpPr>
+            <a:spLocks noGrp="1" noRot="1" noChangeAspect="1"/>
+          </p:cNvSpPr>
+          <p:nvPr>
+            <p:ph type="sldImg" idx="2"/>
+          </p:nvPr>
+        </p:nvSpPr>
+        <p:spPr>
+          <a:xfrm>
+            <a:off x="381000" y="685800"/>
+            <a:ext cx="6096000" cy="3429000"/>
+          </a:xfrm>
+          <a:custGeom>
+            <a:avLst/>
+            <a:gdLst/>
+            <a:ahLst/>
+            <a:cxnLst/>
+            <a:rect l="l" t="t" r="r" b="b"/>
+            <a:pathLst>
+              <a:path w="120000" h="120000" extrusionOk="0">
+                <a:moveTo>
+                  <a:pt x="0" y="0"/>
+                </a:moveTo>
+                <a:lnTo>
+                  <a:pt x="120000" y="0"/>
+                </a:lnTo>
+                <a:lnTo>
+                  <a:pt x="120000" y="120000"/>
+                </a:lnTo>
+                <a:lnTo>
+                  <a:pt x="0" y="120000"/>
+                </a:lnTo>
+                <a:close/>
+              </a:path>
+            </a:pathLst>
+          </a:custGeom>
+        </p:spPr>
+      </p:sp>
+      <p:sp>
+        <p:nvSpPr>
+          <p:cNvPr id="279" name="Google Shape;279;ge0b73e9ba0_0_693:notes"/>
+          <p:cNvSpPr txBox="1">
+            <a:spLocks noGrp="1"/>
+          </p:cNvSpPr>
+          <p:nvPr>
+            <p:ph type="body" idx="1"/>
+          </p:nvPr>
+        </p:nvSpPr>
+        <p:spPr>
+          <a:xfrm>
+            <a:off x="685800" y="4343400"/>
+            <a:ext cx="5486400" cy="4114800"/>
+          </a:xfrm>
+          <a:prstGeom prst="rect">
+            <a:avLst/>
+          </a:prstGeom>
+        </p:spPr>
+        <p:txBody>
+          <a:bodyPr spcFirstLastPara="1" wrap="square" lIns="91425" tIns="91425" rIns="91425" bIns="91425" anchor="t" anchorCtr="0">
+            <a:noAutofit/>
+          </a:bodyPr>
+          <a:lstStyle/>
+          <a:p>
+            <a:pPr marL="0" lvl="0" indent="0" algn="l" rtl="0">
+              <a:spcBef>
+                <a:spcPts val="0"/>
+              </a:spcBef>
+              <a:spcAft>
+                <a:spcPts val="0"/>
+              </a:spcAft>
+              <a:buNone/>
+            </a:pPr>
+            <a:r>
+              <a:rPr lang="en"/>
+              <a:t>TODO</a:t>
+            </a:r>
+            <a:endParaRPr/>
+          </a:p>
+        </p:txBody>
+      </p:sp>
+    </p:spTree>
+  </p:cSld>
+  <p:clrMapOvr>
+    <a:masterClrMapping/>
+  </p:clrMapOvr>
+</p:notes>
+</file>
+
+<file path=ppt/notesSlides/notesSlide19.xml><?xml version="1.0" encoding="utf-8"?>
+<p:notes xmlns:a="http://schemas.openxmlformats.org/drawingml/2006/main" xmlns:r="http://schemas.openxmlformats.org/officeDocument/2006/relationships" xmlns:p="http://schemas.openxmlformats.org/presentationml/2006/main" showMasterSp="0" showMasterPhAnim="0">
+  <p:cSld>
+    <p:spTree>
+      <p:nvGrpSpPr>
         <p:cNvPr id="1" name="Shape 270"/>
         <p:cNvGrpSpPr/>
         <p:nvPr/>
@@ -1766,114 +1874,6 @@
               </a:spcAft>
               <a:buNone/>
             </a:pPr>
-            <a:endParaRPr/>
-          </a:p>
-        </p:txBody>
-      </p:sp>
-    </p:spTree>
-  </p:cSld>
-  <p:clrMapOvr>
-    <a:masterClrMapping/>
-  </p:clrMapOvr>
-</p:notes>
-</file>
-
-<file path=ppt/notesSlides/notesSlide19.xml><?xml version="1.0" encoding="utf-8"?>
-<p:notes xmlns:a="http://schemas.openxmlformats.org/drawingml/2006/main" xmlns:r="http://schemas.openxmlformats.org/officeDocument/2006/relationships" xmlns:p="http://schemas.openxmlformats.org/presentationml/2006/main" showMasterSp="0" showMasterPhAnim="0">
-  <p:cSld>
-    <p:spTree>
-      <p:nvGrpSpPr>
-        <p:cNvPr id="1" name="Shape 277"/>
-        <p:cNvGrpSpPr/>
-        <p:nvPr/>
-      </p:nvGrpSpPr>
-      <p:grpSpPr>
-        <a:xfrm>
-          <a:off x="0" y="0"/>
-          <a:ext cx="0" cy="0"/>
-          <a:chOff x="0" y="0"/>
-          <a:chExt cx="0" cy="0"/>
-        </a:xfrm>
-      </p:grpSpPr>
-      <p:sp>
-        <p:nvSpPr>
-          <p:cNvPr id="278" name="Google Shape;278;ge0b73e9ba0_0_693:notes"/>
-          <p:cNvSpPr>
-            <a:spLocks noGrp="1" noRot="1" noChangeAspect="1"/>
-          </p:cNvSpPr>
-          <p:nvPr>
-            <p:ph type="sldImg" idx="2"/>
-          </p:nvPr>
-        </p:nvSpPr>
-        <p:spPr>
-          <a:xfrm>
-            <a:off x="381000" y="685800"/>
-            <a:ext cx="6096000" cy="3429000"/>
-          </a:xfrm>
-          <a:custGeom>
-            <a:avLst/>
-            <a:gdLst/>
-            <a:ahLst/>
-            <a:cxnLst/>
-            <a:rect l="l" t="t" r="r" b="b"/>
-            <a:pathLst>
-              <a:path w="120000" h="120000" extrusionOk="0">
-                <a:moveTo>
-                  <a:pt x="0" y="0"/>
-                </a:moveTo>
-                <a:lnTo>
-                  <a:pt x="120000" y="0"/>
-                </a:lnTo>
-                <a:lnTo>
-                  <a:pt x="120000" y="120000"/>
-                </a:lnTo>
-                <a:lnTo>
-                  <a:pt x="0" y="120000"/>
-                </a:lnTo>
-                <a:close/>
-              </a:path>
-            </a:pathLst>
-          </a:custGeom>
-        </p:spPr>
-      </p:sp>
-      <p:sp>
-        <p:nvSpPr>
-          <p:cNvPr id="279" name="Google Shape;279;ge0b73e9ba0_0_693:notes"/>
-          <p:cNvSpPr txBox="1">
-            <a:spLocks noGrp="1"/>
-          </p:cNvSpPr>
-          <p:nvPr>
-            <p:ph type="body" idx="1"/>
-          </p:nvPr>
-        </p:nvSpPr>
-        <p:spPr>
-          <a:xfrm>
-            <a:off x="685800" y="4343400"/>
-            <a:ext cx="5486400" cy="4114800"/>
-          </a:xfrm>
-          <a:prstGeom prst="rect">
-            <a:avLst/>
-          </a:prstGeom>
-        </p:spPr>
-        <p:txBody>
-          <a:bodyPr spcFirstLastPara="1" wrap="square" lIns="91425" tIns="91425" rIns="91425" bIns="91425" anchor="t" anchorCtr="0">
-            <a:noAutofit/>
-          </a:bodyPr>
-          <a:lstStyle/>
-          <a:p>
-            <a:pPr marL="0" lvl="0" indent="0" algn="l" rtl="0">
-              <a:spcBef>
-                <a:spcPts val="0"/>
-              </a:spcBef>
-              <a:spcAft>
-                <a:spcPts val="0"/>
-              </a:spcAft>
-              <a:buNone/>
-            </a:pPr>
-            <a:r>
-              <a:rPr lang="en"/>
-              <a:t>TODO</a:t>
-            </a:r>
             <a:endParaRPr/>
           </a:p>
         </p:txBody>
@@ -2498,7 +2498,11 @@
               </a:spcAft>
               <a:buNone/>
             </a:pPr>
-            <a:endParaRPr/>
+            <a:r>
+              <a:rPr lang="en-US" dirty="0"/>
+              <a:t>In fact, the initial packets, ACK packets, and SYN-ACK packets, They are all TCP segments. </a:t>
+            </a:r>
+            <a:endParaRPr dirty="0"/>
           </a:p>
         </p:txBody>
       </p:sp>
@@ -8264,307 +8268,6 @@
   <p:clrMapOvr>
     <a:masterClrMapping/>
   </p:clrMapOvr>
-  <p:timing>
-    <p:tnLst>
-      <p:par>
-        <p:cTn id="1" dur="indefinite" restart="never" nodeType="tmRoot">
-          <p:childTnLst>
-            <p:seq concurrent="1" nextAc="seek">
-              <p:cTn id="2" dur="indefinite" nodeType="mainSeq">
-                <p:childTnLst>
-                  <p:par>
-                    <p:cTn id="3" fill="hold">
-                      <p:stCondLst>
-                        <p:cond delay="indefinite"/>
-                      </p:stCondLst>
-                      <p:childTnLst>
-                        <p:par>
-                          <p:cTn id="4" fill="hold">
-                            <p:stCondLst>
-                              <p:cond delay="0"/>
-                            </p:stCondLst>
-                            <p:childTnLst>
-                              <p:par>
-                                <p:cTn id="5" presetID="1" presetClass="entr" presetSubtype="0" fill="hold" nodeType="clickEffect">
-                                  <p:stCondLst>
-                                    <p:cond delay="0"/>
-                                  </p:stCondLst>
-                                  <p:childTnLst>
-                                    <p:set>
-                                      <p:cBhvr>
-                                        <p:cTn id="6" dur="1" fill="hold">
-                                          <p:stCondLst>
-                                            <p:cond delay="0"/>
-                                          </p:stCondLst>
-                                        </p:cTn>
-                                        <p:tgtEl>
-                                          <p:spTgt spid="188">
-                                            <p:txEl>
-                                              <p:pRg st="0" end="0"/>
-                                            </p:txEl>
-                                          </p:spTgt>
-                                        </p:tgtEl>
-                                        <p:attrNameLst>
-                                          <p:attrName>style.visibility</p:attrName>
-                                        </p:attrNameLst>
-                                      </p:cBhvr>
-                                      <p:to>
-                                        <p:strVal val="visible"/>
-                                      </p:to>
-                                    </p:set>
-                                  </p:childTnLst>
-                                </p:cTn>
-                              </p:par>
-                              <p:par>
-                                <p:cTn id="7" presetID="1" presetClass="entr" presetSubtype="0" fill="hold" nodeType="withEffect">
-                                  <p:stCondLst>
-                                    <p:cond delay="0"/>
-                                  </p:stCondLst>
-                                  <p:childTnLst>
-                                    <p:set>
-                                      <p:cBhvr>
-                                        <p:cTn id="8" dur="1" fill="hold">
-                                          <p:stCondLst>
-                                            <p:cond delay="0"/>
-                                          </p:stCondLst>
-                                        </p:cTn>
-                                        <p:tgtEl>
-                                          <p:spTgt spid="188">
-                                            <p:txEl>
-                                              <p:pRg st="1" end="1"/>
-                                            </p:txEl>
-                                          </p:spTgt>
-                                        </p:tgtEl>
-                                        <p:attrNameLst>
-                                          <p:attrName>style.visibility</p:attrName>
-                                        </p:attrNameLst>
-                                      </p:cBhvr>
-                                      <p:to>
-                                        <p:strVal val="visible"/>
-                                      </p:to>
-                                    </p:set>
-                                  </p:childTnLst>
-                                </p:cTn>
-                              </p:par>
-                            </p:childTnLst>
-                          </p:cTn>
-                        </p:par>
-                      </p:childTnLst>
-                    </p:cTn>
-                  </p:par>
-                  <p:par>
-                    <p:cTn id="9" fill="hold">
-                      <p:stCondLst>
-                        <p:cond delay="indefinite"/>
-                      </p:stCondLst>
-                      <p:childTnLst>
-                        <p:par>
-                          <p:cTn id="10" fill="hold">
-                            <p:stCondLst>
-                              <p:cond delay="0"/>
-                            </p:stCondLst>
-                            <p:childTnLst>
-                              <p:par>
-                                <p:cTn id="11" presetID="1" presetClass="entr" presetSubtype="0" fill="hold" nodeType="clickEffect">
-                                  <p:stCondLst>
-                                    <p:cond delay="0"/>
-                                  </p:stCondLst>
-                                  <p:childTnLst>
-                                    <p:set>
-                                      <p:cBhvr>
-                                        <p:cTn id="12" dur="1" fill="hold">
-                                          <p:stCondLst>
-                                            <p:cond delay="0"/>
-                                          </p:stCondLst>
-                                        </p:cTn>
-                                        <p:tgtEl>
-                                          <p:spTgt spid="188">
-                                            <p:txEl>
-                                              <p:pRg st="2" end="2"/>
-                                            </p:txEl>
-                                          </p:spTgt>
-                                        </p:tgtEl>
-                                        <p:attrNameLst>
-                                          <p:attrName>style.visibility</p:attrName>
-                                        </p:attrNameLst>
-                                      </p:cBhvr>
-                                      <p:to>
-                                        <p:strVal val="visible"/>
-                                      </p:to>
-                                    </p:set>
-                                  </p:childTnLst>
-                                </p:cTn>
-                              </p:par>
-                              <p:par>
-                                <p:cTn id="13" presetID="1" presetClass="entr" presetSubtype="0" fill="hold" nodeType="withEffect">
-                                  <p:stCondLst>
-                                    <p:cond delay="0"/>
-                                  </p:stCondLst>
-                                  <p:childTnLst>
-                                    <p:set>
-                                      <p:cBhvr>
-                                        <p:cTn id="14" dur="1" fill="hold">
-                                          <p:stCondLst>
-                                            <p:cond delay="0"/>
-                                          </p:stCondLst>
-                                        </p:cTn>
-                                        <p:tgtEl>
-                                          <p:spTgt spid="188">
-                                            <p:txEl>
-                                              <p:pRg st="3" end="3"/>
-                                            </p:txEl>
-                                          </p:spTgt>
-                                        </p:tgtEl>
-                                        <p:attrNameLst>
-                                          <p:attrName>style.visibility</p:attrName>
-                                        </p:attrNameLst>
-                                      </p:cBhvr>
-                                      <p:to>
-                                        <p:strVal val="visible"/>
-                                      </p:to>
-                                    </p:set>
-                                  </p:childTnLst>
-                                </p:cTn>
-                              </p:par>
-                            </p:childTnLst>
-                          </p:cTn>
-                        </p:par>
-                      </p:childTnLst>
-                    </p:cTn>
-                  </p:par>
-                  <p:par>
-                    <p:cTn id="15" fill="hold">
-                      <p:stCondLst>
-                        <p:cond delay="indefinite"/>
-                      </p:stCondLst>
-                      <p:childTnLst>
-                        <p:par>
-                          <p:cTn id="16" fill="hold">
-                            <p:stCondLst>
-                              <p:cond delay="0"/>
-                            </p:stCondLst>
-                            <p:childTnLst>
-                              <p:par>
-                                <p:cTn id="17" presetID="1" presetClass="entr" presetSubtype="0" fill="hold" nodeType="clickEffect">
-                                  <p:stCondLst>
-                                    <p:cond delay="0"/>
-                                  </p:stCondLst>
-                                  <p:childTnLst>
-                                    <p:set>
-                                      <p:cBhvr>
-                                        <p:cTn id="18" dur="1" fill="hold">
-                                          <p:stCondLst>
-                                            <p:cond delay="0"/>
-                                          </p:stCondLst>
-                                        </p:cTn>
-                                        <p:tgtEl>
-                                          <p:spTgt spid="188">
-                                            <p:txEl>
-                                              <p:pRg st="4" end="4"/>
-                                            </p:txEl>
-                                          </p:spTgt>
-                                        </p:tgtEl>
-                                        <p:attrNameLst>
-                                          <p:attrName>style.visibility</p:attrName>
-                                        </p:attrNameLst>
-                                      </p:cBhvr>
-                                      <p:to>
-                                        <p:strVal val="visible"/>
-                                      </p:to>
-                                    </p:set>
-                                  </p:childTnLst>
-                                </p:cTn>
-                              </p:par>
-                              <p:par>
-                                <p:cTn id="19" presetID="1" presetClass="entr" presetSubtype="0" fill="hold" nodeType="withEffect">
-                                  <p:stCondLst>
-                                    <p:cond delay="0"/>
-                                  </p:stCondLst>
-                                  <p:childTnLst>
-                                    <p:set>
-                                      <p:cBhvr>
-                                        <p:cTn id="20" dur="1" fill="hold">
-                                          <p:stCondLst>
-                                            <p:cond delay="0"/>
-                                          </p:stCondLst>
-                                        </p:cTn>
-                                        <p:tgtEl>
-                                          <p:spTgt spid="188">
-                                            <p:txEl>
-                                              <p:pRg st="5" end="5"/>
-                                            </p:txEl>
-                                          </p:spTgt>
-                                        </p:tgtEl>
-                                        <p:attrNameLst>
-                                          <p:attrName>style.visibility</p:attrName>
-                                        </p:attrNameLst>
-                                      </p:cBhvr>
-                                      <p:to>
-                                        <p:strVal val="visible"/>
-                                      </p:to>
-                                    </p:set>
-                                  </p:childTnLst>
-                                </p:cTn>
-                              </p:par>
-                              <p:par>
-                                <p:cTn id="21" presetID="1" presetClass="entr" presetSubtype="0" fill="hold" nodeType="withEffect">
-                                  <p:stCondLst>
-                                    <p:cond delay="0"/>
-                                  </p:stCondLst>
-                                  <p:childTnLst>
-                                    <p:set>
-                                      <p:cBhvr>
-                                        <p:cTn id="22" dur="1" fill="hold">
-                                          <p:stCondLst>
-                                            <p:cond delay="0"/>
-                                          </p:stCondLst>
-                                        </p:cTn>
-                                        <p:tgtEl>
-                                          <p:spTgt spid="188">
-                                            <p:txEl>
-                                              <p:pRg st="6" end="6"/>
-                                            </p:txEl>
-                                          </p:spTgt>
-                                        </p:tgtEl>
-                                        <p:attrNameLst>
-                                          <p:attrName>style.visibility</p:attrName>
-                                        </p:attrNameLst>
-                                      </p:cBhvr>
-                                      <p:to>
-                                        <p:strVal val="visible"/>
-                                      </p:to>
-                                    </p:set>
-                                  </p:childTnLst>
-                                </p:cTn>
-                              </p:par>
-                            </p:childTnLst>
-                          </p:cTn>
-                        </p:par>
-                      </p:childTnLst>
-                    </p:cTn>
-                  </p:par>
-                </p:childTnLst>
-              </p:cTn>
-              <p:prevCondLst>
-                <p:cond evt="onPrev" delay="0">
-                  <p:tgtEl>
-                    <p:sldTgt/>
-                  </p:tgtEl>
-                </p:cond>
-              </p:prevCondLst>
-              <p:nextCondLst>
-                <p:cond evt="onNext" delay="0">
-                  <p:tgtEl>
-                    <p:sldTgt/>
-                  </p:tgtEl>
-                </p:cond>
-              </p:nextCondLst>
-            </p:seq>
-          </p:childTnLst>
-        </p:cTn>
-      </p:par>
-    </p:tnLst>
-  </p:timing>
 </p:sld>
 </file>
 
@@ -9960,39 +9663,26 @@
                                   </p:childTnLst>
                                 </p:cTn>
                               </p:par>
+                            </p:childTnLst>
+                          </p:cTn>
+                        </p:par>
+                      </p:childTnLst>
+                    </p:cTn>
+                  </p:par>
+                  <p:par>
+                    <p:cTn id="7" fill="hold">
+                      <p:stCondLst>
+                        <p:cond delay="indefinite"/>
+                      </p:stCondLst>
+                      <p:childTnLst>
+                        <p:par>
+                          <p:cTn id="8" fill="hold">
+                            <p:stCondLst>
+                              <p:cond delay="0"/>
+                            </p:stCondLst>
+                            <p:childTnLst>
                               <p:par>
-                                <p:cTn id="7" presetID="1" presetClass="entr" presetSubtype="0" fill="hold" nodeType="withEffect">
-                                  <p:stCondLst>
-                                    <p:cond delay="0"/>
-                                  </p:stCondLst>
-                                  <p:childTnLst>
-                                    <p:set>
-                                      <p:cBhvr>
-                                        <p:cTn id="8" dur="1" fill="hold">
-                                          <p:stCondLst>
-                                            <p:cond delay="0"/>
-                                          </p:stCondLst>
-                                        </p:cTn>
-                                        <p:tgtEl>
-                                          <p:spTgt spid="217">
-                                            <p:txEl>
-                                              <p:pRg st="1" end="1"/>
-                                            </p:txEl>
-                                          </p:spTgt>
-                                        </p:tgtEl>
-                                        <p:attrNameLst>
-                                          <p:attrName>style.visibility</p:attrName>
-                                        </p:attrNameLst>
-                                      </p:cBhvr>
-                                      <p:to>
-                                        <p:strVal val="visible"/>
-                                      </p:to>
-                                    </p:set>
-                                  </p:childTnLst>
-                                </p:cTn>
-                              </p:par>
-                              <p:par>
-                                <p:cTn id="9" presetID="1" presetClass="entr" presetSubtype="0" fill="hold" nodeType="withEffect">
+                                <p:cTn id="9" presetID="1" presetClass="entr" presetSubtype="0" fill="hold" nodeType="clickEffect">
                                   <p:stCondLst>
                                     <p:cond delay="0"/>
                                   </p:stCondLst>
@@ -10007,7 +9697,7 @@
                                         <p:tgtEl>
                                           <p:spTgt spid="217">
                                             <p:txEl>
-                                              <p:pRg st="2" end="2"/>
+                                              <p:pRg st="1" end="1"/>
                                             </p:txEl>
                                           </p:spTgt>
                                         </p:tgtEl>
@@ -10056,7 +9746,7 @@
                                         <p:tgtEl>
                                           <p:spTgt spid="217">
                                             <p:txEl>
-                                              <p:pRg st="3" end="3"/>
+                                              <p:pRg st="2" end="2"/>
                                             </p:txEl>
                                           </p:spTgt>
                                         </p:tgtEl>
@@ -10071,39 +9761,26 @@
                                   </p:childTnLst>
                                 </p:cTn>
                               </p:par>
+                            </p:childTnLst>
+                          </p:cTn>
+                        </p:par>
+                      </p:childTnLst>
+                    </p:cTn>
+                  </p:par>
+                  <p:par>
+                    <p:cTn id="15" fill="hold">
+                      <p:stCondLst>
+                        <p:cond delay="indefinite"/>
+                      </p:stCondLst>
+                      <p:childTnLst>
+                        <p:par>
+                          <p:cTn id="16" fill="hold">
+                            <p:stCondLst>
+                              <p:cond delay="0"/>
+                            </p:stCondLst>
+                            <p:childTnLst>
                               <p:par>
-                                <p:cTn id="15" presetID="1" presetClass="entr" presetSubtype="0" fill="hold" nodeType="withEffect">
-                                  <p:stCondLst>
-                                    <p:cond delay="0"/>
-                                  </p:stCondLst>
-                                  <p:childTnLst>
-                                    <p:set>
-                                      <p:cBhvr>
-                                        <p:cTn id="16" dur="1" fill="hold">
-                                          <p:stCondLst>
-                                            <p:cond delay="0"/>
-                                          </p:stCondLst>
-                                        </p:cTn>
-                                        <p:tgtEl>
-                                          <p:spTgt spid="217">
-                                            <p:txEl>
-                                              <p:pRg st="4" end="4"/>
-                                            </p:txEl>
-                                          </p:spTgt>
-                                        </p:tgtEl>
-                                        <p:attrNameLst>
-                                          <p:attrName>style.visibility</p:attrName>
-                                        </p:attrNameLst>
-                                      </p:cBhvr>
-                                      <p:to>
-                                        <p:strVal val="visible"/>
-                                      </p:to>
-                                    </p:set>
-                                  </p:childTnLst>
-                                </p:cTn>
-                              </p:par>
-                              <p:par>
-                                <p:cTn id="17" presetID="1" presetClass="entr" presetSubtype="0" fill="hold" nodeType="withEffect">
+                                <p:cTn id="17" presetID="1" presetClass="entr" presetSubtype="0" fill="hold" nodeType="clickEffect">
                                   <p:stCondLst>
                                     <p:cond delay="0"/>
                                   </p:stCondLst>
@@ -10118,7 +9795,7 @@
                                         <p:tgtEl>
                                           <p:spTgt spid="217">
                                             <p:txEl>
-                                              <p:pRg st="5" end="5"/>
+                                              <p:pRg st="3" end="3"/>
                                             </p:txEl>
                                           </p:spTgt>
                                         </p:tgtEl>
@@ -10160,6 +9837,104 @@
                                     <p:set>
                                       <p:cBhvr>
                                         <p:cTn id="22" dur="1" fill="hold">
+                                          <p:stCondLst>
+                                            <p:cond delay="0"/>
+                                          </p:stCondLst>
+                                        </p:cTn>
+                                        <p:tgtEl>
+                                          <p:spTgt spid="217">
+                                            <p:txEl>
+                                              <p:pRg st="4" end="4"/>
+                                            </p:txEl>
+                                          </p:spTgt>
+                                        </p:tgtEl>
+                                        <p:attrNameLst>
+                                          <p:attrName>style.visibility</p:attrName>
+                                        </p:attrNameLst>
+                                      </p:cBhvr>
+                                      <p:to>
+                                        <p:strVal val="visible"/>
+                                      </p:to>
+                                    </p:set>
+                                  </p:childTnLst>
+                                </p:cTn>
+                              </p:par>
+                            </p:childTnLst>
+                          </p:cTn>
+                        </p:par>
+                      </p:childTnLst>
+                    </p:cTn>
+                  </p:par>
+                  <p:par>
+                    <p:cTn id="23" fill="hold">
+                      <p:stCondLst>
+                        <p:cond delay="indefinite"/>
+                      </p:stCondLst>
+                      <p:childTnLst>
+                        <p:par>
+                          <p:cTn id="24" fill="hold">
+                            <p:stCondLst>
+                              <p:cond delay="0"/>
+                            </p:stCondLst>
+                            <p:childTnLst>
+                              <p:par>
+                                <p:cTn id="25" presetID="1" presetClass="entr" presetSubtype="0" fill="hold" nodeType="clickEffect">
+                                  <p:stCondLst>
+                                    <p:cond delay="0"/>
+                                  </p:stCondLst>
+                                  <p:childTnLst>
+                                    <p:set>
+                                      <p:cBhvr>
+                                        <p:cTn id="26" dur="1" fill="hold">
+                                          <p:stCondLst>
+                                            <p:cond delay="0"/>
+                                          </p:stCondLst>
+                                        </p:cTn>
+                                        <p:tgtEl>
+                                          <p:spTgt spid="217">
+                                            <p:txEl>
+                                              <p:pRg st="5" end="5"/>
+                                            </p:txEl>
+                                          </p:spTgt>
+                                        </p:tgtEl>
+                                        <p:attrNameLst>
+                                          <p:attrName>style.visibility</p:attrName>
+                                        </p:attrNameLst>
+                                      </p:cBhvr>
+                                      <p:to>
+                                        <p:strVal val="visible"/>
+                                      </p:to>
+                                    </p:set>
+                                  </p:childTnLst>
+                                </p:cTn>
+                              </p:par>
+                            </p:childTnLst>
+                          </p:cTn>
+                        </p:par>
+                      </p:childTnLst>
+                    </p:cTn>
+                  </p:par>
+                  <p:par>
+                    <p:cTn id="27" fill="hold">
+                      <p:stCondLst>
+                        <p:cond delay="indefinite"/>
+                      </p:stCondLst>
+                      <p:childTnLst>
+                        <p:par>
+                          <p:cTn id="28" fill="hold">
+                            <p:stCondLst>
+                              <p:cond delay="0"/>
+                            </p:stCondLst>
+                            <p:childTnLst>
+                              <p:par>
+                                <p:cTn id="29" presetID="1" presetClass="entr" presetSubtype="0" fill="hold" nodeType="clickEffect">
+                                  <p:stCondLst>
+                                    <p:cond delay="0"/>
+                                  </p:stCondLst>
+                                  <p:childTnLst>
+                                    <p:set>
+                                      <p:cBhvr>
+                                        <p:cTn id="30" dur="1" fill="hold">
                                           <p:stCondLst>
                                             <p:cond delay="0"/>
                                           </p:stCondLst>
@@ -10308,18 +10083,18 @@
               <a:buChar char="●"/>
             </a:pPr>
             <a:r>
-              <a:rPr lang="en"/>
+              <a:rPr lang="en" dirty="0"/>
               <a:t>To </a:t>
             </a:r>
             <a:r>
-              <a:rPr lang="en" b="1"/>
+              <a:rPr lang="en" b="1" dirty="0"/>
               <a:t>end</a:t>
             </a:r>
             <a:r>
-              <a:rPr lang="en"/>
+              <a:rPr lang="en" dirty="0"/>
               <a:t> a connection, one side sends a packet with the FIN (finish) flag set, which should then be acknowledged</a:t>
             </a:r>
-            <a:endParaRPr/>
+            <a:endParaRPr dirty="0"/>
           </a:p>
           <a:p>
             <a:pPr marL="914400" lvl="1" indent="-317500" algn="l" rtl="0">
@@ -10333,10 +10108,10 @@
               <a:buChar char="○"/>
             </a:pPr>
             <a:r>
-              <a:rPr lang="en"/>
+              <a:rPr lang="en" dirty="0"/>
               <a:t>This means “I will no longer be sending any more packets, but I will continue to receive packets”</a:t>
             </a:r>
-            <a:endParaRPr/>
+            <a:endParaRPr dirty="0"/>
           </a:p>
           <a:p>
             <a:pPr marL="914400" lvl="1" indent="-317500" algn="l" rtl="0">
@@ -10350,10 +10125,10 @@
               <a:buChar char="○"/>
             </a:pPr>
             <a:r>
-              <a:rPr lang="en"/>
+              <a:rPr lang="en" dirty="0"/>
               <a:t>Once the other side is no longer sending packets, it sends a packet with the FIN flag set</a:t>
             </a:r>
-            <a:endParaRPr/>
+            <a:endParaRPr dirty="0"/>
           </a:p>
           <a:p>
             <a:pPr marL="457200" lvl="0" indent="-342900" algn="l" rtl="0">
@@ -10367,18 +10142,18 @@
               <a:buChar char="●"/>
             </a:pPr>
             <a:r>
-              <a:rPr lang="en"/>
+              <a:rPr lang="en" dirty="0"/>
               <a:t>To </a:t>
             </a:r>
             <a:r>
-              <a:rPr lang="en" b="1"/>
+              <a:rPr lang="en" b="1" dirty="0"/>
               <a:t>abort</a:t>
             </a:r>
             <a:r>
-              <a:rPr lang="en"/>
+              <a:rPr lang="en" dirty="0"/>
               <a:t> a connection, one side sends a packet with the RST (reset) flag set</a:t>
             </a:r>
-            <a:endParaRPr/>
+            <a:endParaRPr dirty="0"/>
           </a:p>
           <a:p>
             <a:pPr marL="914400" lvl="1" indent="-317500" algn="l" rtl="0">
@@ -10392,10 +10167,10 @@
               <a:buChar char="○"/>
             </a:pPr>
             <a:r>
-              <a:rPr lang="en"/>
+              <a:rPr lang="en" dirty="0"/>
               <a:t>This means “I will no longer be sending nor receiving packets on this connection”</a:t>
             </a:r>
-            <a:endParaRPr/>
+            <a:endParaRPr dirty="0"/>
           </a:p>
           <a:p>
             <a:pPr marL="914400" lvl="1" indent="-317500" algn="l" rtl="0">
@@ -10409,10 +10184,10 @@
               <a:buChar char="○"/>
             </a:pPr>
             <a:r>
-              <a:rPr lang="en"/>
+              <a:rPr lang="en" dirty="0"/>
               <a:t>RST packets are not acknowledged since they usually mean that something went wrong</a:t>
             </a:r>
-            <a:endParaRPr/>
+            <a:endParaRPr dirty="0"/>
           </a:p>
         </p:txBody>
       </p:sp>
@@ -10545,15 +10320,33 @@
                                   </p:childTnLst>
                                 </p:cTn>
                               </p:par>
+                            </p:childTnLst>
+                          </p:cTn>
+                        </p:par>
+                      </p:childTnLst>
+                    </p:cTn>
+                  </p:par>
+                  <p:par>
+                    <p:cTn id="9" fill="hold">
+                      <p:stCondLst>
+                        <p:cond delay="indefinite"/>
+                      </p:stCondLst>
+                      <p:childTnLst>
+                        <p:par>
+                          <p:cTn id="10" fill="hold">
+                            <p:stCondLst>
+                              <p:cond delay="0"/>
+                            </p:stCondLst>
+                            <p:childTnLst>
                               <p:par>
-                                <p:cTn id="9" presetID="1" presetClass="entr" presetSubtype="0" fill="hold" nodeType="withEffect">
+                                <p:cTn id="11" presetID="1" presetClass="entr" presetSubtype="0" fill="hold" nodeType="clickEffect">
                                   <p:stCondLst>
                                     <p:cond delay="0"/>
                                   </p:stCondLst>
                                   <p:childTnLst>
                                     <p:set>
                                       <p:cBhvr>
-                                        <p:cTn id="10" dur="1" fill="hold">
+                                        <p:cTn id="12" dur="1" fill="hold">
                                           <p:stCondLst>
                                             <p:cond delay="0"/>
                                           </p:stCondLst>
@@ -10583,26 +10376,26 @@
                     </p:cTn>
                   </p:par>
                   <p:par>
-                    <p:cTn id="11" fill="hold">
+                    <p:cTn id="13" fill="hold">
                       <p:stCondLst>
                         <p:cond delay="indefinite"/>
                       </p:stCondLst>
                       <p:childTnLst>
                         <p:par>
-                          <p:cTn id="12" fill="hold">
+                          <p:cTn id="14" fill="hold">
                             <p:stCondLst>
                               <p:cond delay="0"/>
                             </p:stCondLst>
                             <p:childTnLst>
                               <p:par>
-                                <p:cTn id="13" presetID="1" presetClass="entr" presetSubtype="0" fill="hold" nodeType="clickEffect">
+                                <p:cTn id="15" presetID="1" presetClass="entr" presetSubtype="0" fill="hold" nodeType="clickEffect">
                                   <p:stCondLst>
                                     <p:cond delay="0"/>
                                   </p:stCondLst>
                                   <p:childTnLst>
                                     <p:set>
                                       <p:cBhvr>
-                                        <p:cTn id="14" dur="1" fill="hold">
+                                        <p:cTn id="16" dur="1" fill="hold">
                                           <p:stCondLst>
                                             <p:cond delay="0"/>
                                           </p:stCondLst>
@@ -10626,14 +10419,14 @@
                                 </p:cTn>
                               </p:par>
                               <p:par>
-                                <p:cTn id="15" presetID="1" presetClass="entr" presetSubtype="0" fill="hold" nodeType="withEffect">
+                                <p:cTn id="17" presetID="1" presetClass="entr" presetSubtype="0" fill="hold" nodeType="withEffect">
                                   <p:stCondLst>
                                     <p:cond delay="0"/>
                                   </p:stCondLst>
                                   <p:childTnLst>
                                     <p:set>
                                       <p:cBhvr>
-                                        <p:cTn id="16" dur="1" fill="hold">
+                                        <p:cTn id="18" dur="1" fill="hold">
                                           <p:stCondLst>
                                             <p:cond delay="0"/>
                                           </p:stCondLst>
@@ -10656,15 +10449,33 @@
                                   </p:childTnLst>
                                 </p:cTn>
                               </p:par>
+                            </p:childTnLst>
+                          </p:cTn>
+                        </p:par>
+                      </p:childTnLst>
+                    </p:cTn>
+                  </p:par>
+                  <p:par>
+                    <p:cTn id="19" fill="hold">
+                      <p:stCondLst>
+                        <p:cond delay="indefinite"/>
+                      </p:stCondLst>
+                      <p:childTnLst>
+                        <p:par>
+                          <p:cTn id="20" fill="hold">
+                            <p:stCondLst>
+                              <p:cond delay="0"/>
+                            </p:stCondLst>
+                            <p:childTnLst>
                               <p:par>
-                                <p:cTn id="17" presetID="1" presetClass="entr" presetSubtype="0" fill="hold" nodeType="withEffect">
+                                <p:cTn id="21" presetID="1" presetClass="entr" presetSubtype="0" fill="hold" nodeType="clickEffect">
                                   <p:stCondLst>
                                     <p:cond delay="0"/>
                                   </p:stCondLst>
                                   <p:childTnLst>
                                     <p:set>
                                       <p:cBhvr>
-                                        <p:cTn id="18" dur="1" fill="hold">
+                                        <p:cTn id="22" dur="1" fill="hold">
                                           <p:stCondLst>
                                             <p:cond delay="0"/>
                                           </p:stCondLst>
@@ -11631,10 +11442,10 @@
               <a:buNone/>
             </a:pPr>
             <a:r>
-              <a:rPr lang="en"/>
-              <a:t>TCP Packet Structure</a:t>
+              <a:rPr lang="en" dirty="0"/>
+              <a:t>TCP Segment Structure</a:t>
             </a:r>
-            <a:endParaRPr/>
+            <a:endParaRPr dirty="0"/>
           </a:p>
         </p:txBody>
       </p:sp>
@@ -11673,10 +11484,10 @@
               <a:buNone/>
             </a:pPr>
             <a:r>
-              <a:rPr lang="en"/>
+              <a:rPr lang="en" dirty="0"/>
               <a:t>TCP segment header</a:t>
             </a:r>
-            <a:endParaRPr/>
+            <a:endParaRPr dirty="0"/>
           </a:p>
         </p:txBody>
       </p:sp>
@@ -14688,398 +14499,6 @@
   <p:cSld>
     <p:spTree>
       <p:nvGrpSpPr>
-        <p:cNvPr id="1" name="Shape 273"/>
-        <p:cNvGrpSpPr/>
-        <p:nvPr/>
-      </p:nvGrpSpPr>
-      <p:grpSpPr>
-        <a:xfrm>
-          <a:off x="0" y="0"/>
-          <a:ext cx="0" cy="0"/>
-          <a:chOff x="0" y="0"/>
-          <a:chExt cx="0" cy="0"/>
-        </a:xfrm>
-      </p:grpSpPr>
-      <p:sp>
-        <p:nvSpPr>
-          <p:cNvPr id="274" name="Google Shape;274;p37"/>
-          <p:cNvSpPr txBox="1">
-            <a:spLocks noGrp="1"/>
-          </p:cNvSpPr>
-          <p:nvPr>
-            <p:ph type="title"/>
-          </p:nvPr>
-        </p:nvSpPr>
-        <p:spPr>
-          <a:xfrm>
-            <a:off x="102700" y="270875"/>
-            <a:ext cx="8520600" cy="572700"/>
-          </a:xfrm>
-          <a:prstGeom prst="rect">
-            <a:avLst/>
-          </a:prstGeom>
-        </p:spPr>
-        <p:txBody>
-          <a:bodyPr spcFirstLastPara="1" wrap="square" lIns="91425" tIns="91425" rIns="91425" bIns="91425" anchor="t" anchorCtr="0">
-            <a:normAutofit fontScale="90000"/>
-          </a:bodyPr>
-          <a:lstStyle/>
-          <a:p>
-            <a:pPr marL="0" lvl="0" indent="0" algn="l" rtl="0">
-              <a:spcBef>
-                <a:spcPts val="0"/>
-              </a:spcBef>
-              <a:spcAft>
-                <a:spcPts val="0"/>
-              </a:spcAft>
-              <a:buNone/>
-            </a:pPr>
-            <a:r>
-              <a:rPr lang="en"/>
-              <a:t>TCP Attacks </a:t>
-            </a:r>
-            <a:endParaRPr/>
-          </a:p>
-        </p:txBody>
-      </p:sp>
-      <p:sp>
-        <p:nvSpPr>
-          <p:cNvPr id="275" name="Google Shape;275;p37"/>
-          <p:cNvSpPr txBox="1">
-            <a:spLocks noGrp="1"/>
-          </p:cNvSpPr>
-          <p:nvPr>
-            <p:ph type="body" idx="1"/>
-          </p:nvPr>
-        </p:nvSpPr>
-        <p:spPr>
-          <a:xfrm>
-            <a:off x="198500" y="1246825"/>
-            <a:ext cx="8520600" cy="3765600"/>
-          </a:xfrm>
-          <a:prstGeom prst="rect">
-            <a:avLst/>
-          </a:prstGeom>
-        </p:spPr>
-        <p:txBody>
-          <a:bodyPr spcFirstLastPara="1" wrap="square" lIns="91425" tIns="91425" rIns="91425" bIns="91425" anchor="t" anchorCtr="0">
-            <a:normAutofit/>
-          </a:bodyPr>
-          <a:lstStyle/>
-          <a:p>
-            <a:pPr marL="457200" lvl="0" indent="-342900" algn="l" rtl="0">
-              <a:spcBef>
-                <a:spcPts val="0"/>
-              </a:spcBef>
-              <a:spcAft>
-                <a:spcPts val="0"/>
-              </a:spcAft>
-              <a:buSzPts val="1800"/>
-              <a:buChar char="●"/>
-            </a:pPr>
-            <a:r>
-              <a:rPr lang="en" b="1" dirty="0"/>
-              <a:t>TCP spoofing</a:t>
-            </a:r>
-            <a:r>
-              <a:rPr lang="en" dirty="0"/>
-              <a:t>: Spoofing a TCP connection to appear to come from another source IP address</a:t>
-            </a:r>
-            <a:endParaRPr dirty="0"/>
-          </a:p>
-          <a:p>
-            <a:pPr marL="914400" lvl="1" indent="-317500" algn="l" rtl="0">
-              <a:spcBef>
-                <a:spcPts val="0"/>
-              </a:spcBef>
-              <a:spcAft>
-                <a:spcPts val="0"/>
-              </a:spcAft>
-              <a:buSzPts val="1400"/>
-              <a:buChar char="○"/>
-            </a:pPr>
-            <a:r>
-              <a:rPr lang="en" dirty="0"/>
-              <a:t>Need to know: Sequence number in the server’s response SYN-ACK packet</a:t>
-            </a:r>
-            <a:endParaRPr dirty="0"/>
-          </a:p>
-          <a:p>
-            <a:pPr marL="914400" lvl="1" indent="-317500" algn="l" rtl="0">
-              <a:spcBef>
-                <a:spcPts val="0"/>
-              </a:spcBef>
-              <a:spcAft>
-                <a:spcPts val="0"/>
-              </a:spcAft>
-              <a:buSzPts val="1400"/>
-              <a:buChar char="○"/>
-            </a:pPr>
-            <a:r>
-              <a:rPr lang="en" dirty="0"/>
-              <a:t>Easy for MITM and on-path attackers, but off-path attackers must guess 32-bit sequence number (called </a:t>
-            </a:r>
-            <a:r>
-              <a:rPr lang="en" b="1" dirty="0"/>
-              <a:t>blind spoofing</a:t>
-            </a:r>
-            <a:r>
-              <a:rPr lang="en" dirty="0"/>
-              <a:t>, also considered difficult)</a:t>
-            </a:r>
-            <a:endParaRPr dirty="0"/>
-          </a:p>
-          <a:p>
-            <a:pPr marL="914400" lvl="1" indent="-317500" algn="l" rtl="0">
-              <a:spcBef>
-                <a:spcPts val="0"/>
-              </a:spcBef>
-              <a:spcAft>
-                <a:spcPts val="0"/>
-              </a:spcAft>
-              <a:buSzPts val="1400"/>
-              <a:buChar char="○"/>
-            </a:pPr>
-            <a:r>
-              <a:rPr lang="en" dirty="0"/>
-              <a:t>For on-path attackers, this is a race condition, since the real client will send a RST upon receiving the server’s SYN-ACK!</a:t>
-            </a:r>
-            <a:endParaRPr dirty="0"/>
-          </a:p>
-        </p:txBody>
-      </p:sp>
-      <p:sp>
-        <p:nvSpPr>
-          <p:cNvPr id="276" name="Google Shape;276;p37"/>
-          <p:cNvSpPr txBox="1">
-            <a:spLocks noGrp="1"/>
-          </p:cNvSpPr>
-          <p:nvPr>
-            <p:ph type="sldNum" idx="12"/>
-          </p:nvPr>
-        </p:nvSpPr>
-        <p:spPr>
-          <a:xfrm>
-            <a:off x="8472458" y="4663217"/>
-            <a:ext cx="548700" cy="393600"/>
-          </a:xfrm>
-          <a:prstGeom prst="rect">
-            <a:avLst/>
-          </a:prstGeom>
-        </p:spPr>
-        <p:txBody>
-          <a:bodyPr spcFirstLastPara="1" wrap="square" lIns="91425" tIns="91425" rIns="91425" bIns="91425" anchor="ctr" anchorCtr="0">
-            <a:normAutofit/>
-          </a:bodyPr>
-          <a:lstStyle/>
-          <a:p>
-            <a:pPr marL="0" lvl="0" indent="0" algn="r" rtl="0">
-              <a:spcBef>
-                <a:spcPts val="0"/>
-              </a:spcBef>
-              <a:spcAft>
-                <a:spcPts val="0"/>
-              </a:spcAft>
-              <a:buNone/>
-            </a:pPr>
-            <a:fld id="{00000000-1234-1234-1234-123412341234}" type="slidenum">
-              <a:rPr lang="en"/>
-              <a:t>18</a:t>
-            </a:fld>
-            <a:endParaRPr/>
-          </a:p>
-        </p:txBody>
-      </p:sp>
-    </p:spTree>
-  </p:cSld>
-  <p:clrMapOvr>
-    <a:masterClrMapping/>
-  </p:clrMapOvr>
-  <p:timing>
-    <p:tnLst>
-      <p:par>
-        <p:cTn id="1" dur="indefinite" restart="never" nodeType="tmRoot">
-          <p:childTnLst>
-            <p:seq concurrent="1" nextAc="seek">
-              <p:cTn id="2" dur="indefinite" nodeType="mainSeq">
-                <p:childTnLst>
-                  <p:par>
-                    <p:cTn id="3" fill="hold">
-                      <p:stCondLst>
-                        <p:cond delay="indefinite"/>
-                      </p:stCondLst>
-                      <p:childTnLst>
-                        <p:par>
-                          <p:cTn id="4" fill="hold">
-                            <p:stCondLst>
-                              <p:cond delay="0"/>
-                            </p:stCondLst>
-                            <p:childTnLst>
-                              <p:par>
-                                <p:cTn id="5" presetID="1" presetClass="entr" presetSubtype="0" fill="hold" nodeType="clickEffect">
-                                  <p:stCondLst>
-                                    <p:cond delay="0"/>
-                                  </p:stCondLst>
-                                  <p:childTnLst>
-                                    <p:set>
-                                      <p:cBhvr>
-                                        <p:cTn id="6" dur="1" fill="hold">
-                                          <p:stCondLst>
-                                            <p:cond delay="0"/>
-                                          </p:stCondLst>
-                                        </p:cTn>
-                                        <p:tgtEl>
-                                          <p:spTgt spid="275">
-                                            <p:txEl>
-                                              <p:pRg st="1" end="1"/>
-                                            </p:txEl>
-                                          </p:spTgt>
-                                        </p:tgtEl>
-                                        <p:attrNameLst>
-                                          <p:attrName>style.visibility</p:attrName>
-                                        </p:attrNameLst>
-                                      </p:cBhvr>
-                                      <p:to>
-                                        <p:strVal val="visible"/>
-                                      </p:to>
-                                    </p:set>
-                                  </p:childTnLst>
-                                </p:cTn>
-                              </p:par>
-                            </p:childTnLst>
-                          </p:cTn>
-                        </p:par>
-                      </p:childTnLst>
-                    </p:cTn>
-                  </p:par>
-                  <p:par>
-                    <p:cTn id="7" fill="hold">
-                      <p:stCondLst>
-                        <p:cond delay="indefinite"/>
-                      </p:stCondLst>
-                      <p:childTnLst>
-                        <p:par>
-                          <p:cTn id="8" fill="hold">
-                            <p:stCondLst>
-                              <p:cond delay="0"/>
-                            </p:stCondLst>
-                            <p:childTnLst>
-                              <p:par>
-                                <p:cTn id="9" presetID="1" presetClass="entr" presetSubtype="0" fill="hold" nodeType="clickEffect">
-                                  <p:stCondLst>
-                                    <p:cond delay="0"/>
-                                  </p:stCondLst>
-                                  <p:childTnLst>
-                                    <p:set>
-                                      <p:cBhvr>
-                                        <p:cTn id="10" dur="1" fill="hold">
-                                          <p:stCondLst>
-                                            <p:cond delay="0"/>
-                                          </p:stCondLst>
-                                        </p:cTn>
-                                        <p:tgtEl>
-                                          <p:spTgt spid="275">
-                                            <p:txEl>
-                                              <p:pRg st="2" end="2"/>
-                                            </p:txEl>
-                                          </p:spTgt>
-                                        </p:tgtEl>
-                                        <p:attrNameLst>
-                                          <p:attrName>style.visibility</p:attrName>
-                                        </p:attrNameLst>
-                                      </p:cBhvr>
-                                      <p:to>
-                                        <p:strVal val="visible"/>
-                                      </p:to>
-                                    </p:set>
-                                  </p:childTnLst>
-                                </p:cTn>
-                              </p:par>
-                            </p:childTnLst>
-                          </p:cTn>
-                        </p:par>
-                      </p:childTnLst>
-                    </p:cTn>
-                  </p:par>
-                  <p:par>
-                    <p:cTn id="11" fill="hold">
-                      <p:stCondLst>
-                        <p:cond delay="indefinite"/>
-                      </p:stCondLst>
-                      <p:childTnLst>
-                        <p:par>
-                          <p:cTn id="12" fill="hold">
-                            <p:stCondLst>
-                              <p:cond delay="0"/>
-                            </p:stCondLst>
-                            <p:childTnLst>
-                              <p:par>
-                                <p:cTn id="13" presetID="1" presetClass="entr" presetSubtype="0" fill="hold" nodeType="clickEffect">
-                                  <p:stCondLst>
-                                    <p:cond delay="0"/>
-                                  </p:stCondLst>
-                                  <p:childTnLst>
-                                    <p:set>
-                                      <p:cBhvr>
-                                        <p:cTn id="14" dur="1" fill="hold">
-                                          <p:stCondLst>
-                                            <p:cond delay="0"/>
-                                          </p:stCondLst>
-                                        </p:cTn>
-                                        <p:tgtEl>
-                                          <p:spTgt spid="275">
-                                            <p:txEl>
-                                              <p:pRg st="3" end="3"/>
-                                            </p:txEl>
-                                          </p:spTgt>
-                                        </p:tgtEl>
-                                        <p:attrNameLst>
-                                          <p:attrName>style.visibility</p:attrName>
-                                        </p:attrNameLst>
-                                      </p:cBhvr>
-                                      <p:to>
-                                        <p:strVal val="visible"/>
-                                      </p:to>
-                                    </p:set>
-                                  </p:childTnLst>
-                                </p:cTn>
-                              </p:par>
-                            </p:childTnLst>
-                          </p:cTn>
-                        </p:par>
-                      </p:childTnLst>
-                    </p:cTn>
-                  </p:par>
-                </p:childTnLst>
-              </p:cTn>
-              <p:prevCondLst>
-                <p:cond evt="onPrev" delay="0">
-                  <p:tgtEl>
-                    <p:sldTgt/>
-                  </p:tgtEl>
-                </p:cond>
-              </p:prevCondLst>
-              <p:nextCondLst>
-                <p:cond evt="onNext" delay="0">
-                  <p:tgtEl>
-                    <p:sldTgt/>
-                  </p:tgtEl>
-                </p:cond>
-              </p:nextCondLst>
-            </p:seq>
-          </p:childTnLst>
-        </p:cTn>
-      </p:par>
-    </p:tnLst>
-  </p:timing>
-</p:sld>
-</file>
-
-<file path=ppt/slides/slide19.xml><?xml version="1.0" encoding="utf-8"?>
-<p:sld xmlns:a="http://schemas.openxmlformats.org/drawingml/2006/main" xmlns:r="http://schemas.openxmlformats.org/officeDocument/2006/relationships" xmlns:p="http://schemas.openxmlformats.org/presentationml/2006/main">
-  <p:cSld>
-    <p:spTree>
-      <p:nvGrpSpPr>
         <p:cNvPr id="1" name="Shape 280"/>
         <p:cNvGrpSpPr/>
         <p:nvPr/>
@@ -15170,7 +14589,7 @@
             </a:pPr>
             <a:fld id="{00000000-1234-1234-1234-123412341234}" type="slidenum">
               <a:rPr lang="en"/>
-              <a:t>19</a:t>
+              <a:t>18</a:t>
             </a:fld>
             <a:endParaRPr/>
           </a:p>
@@ -16271,6 +15690,398 @@
                                         </p:cTn>
                                         <p:tgtEl>
                                           <p:spTgt spid="302"/>
+                                        </p:tgtEl>
+                                        <p:attrNameLst>
+                                          <p:attrName>style.visibility</p:attrName>
+                                        </p:attrNameLst>
+                                      </p:cBhvr>
+                                      <p:to>
+                                        <p:strVal val="visible"/>
+                                      </p:to>
+                                    </p:set>
+                                  </p:childTnLst>
+                                </p:cTn>
+                              </p:par>
+                            </p:childTnLst>
+                          </p:cTn>
+                        </p:par>
+                      </p:childTnLst>
+                    </p:cTn>
+                  </p:par>
+                </p:childTnLst>
+              </p:cTn>
+              <p:prevCondLst>
+                <p:cond evt="onPrev" delay="0">
+                  <p:tgtEl>
+                    <p:sldTgt/>
+                  </p:tgtEl>
+                </p:cond>
+              </p:prevCondLst>
+              <p:nextCondLst>
+                <p:cond evt="onNext" delay="0">
+                  <p:tgtEl>
+                    <p:sldTgt/>
+                  </p:tgtEl>
+                </p:cond>
+              </p:nextCondLst>
+            </p:seq>
+          </p:childTnLst>
+        </p:cTn>
+      </p:par>
+    </p:tnLst>
+  </p:timing>
+</p:sld>
+</file>
+
+<file path=ppt/slides/slide19.xml><?xml version="1.0" encoding="utf-8"?>
+<p:sld xmlns:a="http://schemas.openxmlformats.org/drawingml/2006/main" xmlns:r="http://schemas.openxmlformats.org/officeDocument/2006/relationships" xmlns:p="http://schemas.openxmlformats.org/presentationml/2006/main">
+  <p:cSld>
+    <p:spTree>
+      <p:nvGrpSpPr>
+        <p:cNvPr id="1" name="Shape 273"/>
+        <p:cNvGrpSpPr/>
+        <p:nvPr/>
+      </p:nvGrpSpPr>
+      <p:grpSpPr>
+        <a:xfrm>
+          <a:off x="0" y="0"/>
+          <a:ext cx="0" cy="0"/>
+          <a:chOff x="0" y="0"/>
+          <a:chExt cx="0" cy="0"/>
+        </a:xfrm>
+      </p:grpSpPr>
+      <p:sp>
+        <p:nvSpPr>
+          <p:cNvPr id="274" name="Google Shape;274;p37"/>
+          <p:cNvSpPr txBox="1">
+            <a:spLocks noGrp="1"/>
+          </p:cNvSpPr>
+          <p:nvPr>
+            <p:ph type="title"/>
+          </p:nvPr>
+        </p:nvSpPr>
+        <p:spPr>
+          <a:xfrm>
+            <a:off x="102700" y="270875"/>
+            <a:ext cx="8520600" cy="572700"/>
+          </a:xfrm>
+          <a:prstGeom prst="rect">
+            <a:avLst/>
+          </a:prstGeom>
+        </p:spPr>
+        <p:txBody>
+          <a:bodyPr spcFirstLastPara="1" wrap="square" lIns="91425" tIns="91425" rIns="91425" bIns="91425" anchor="t" anchorCtr="0">
+            <a:normAutofit fontScale="90000"/>
+          </a:bodyPr>
+          <a:lstStyle/>
+          <a:p>
+            <a:pPr marL="0" lvl="0" indent="0" algn="l" rtl="0">
+              <a:spcBef>
+                <a:spcPts val="0"/>
+              </a:spcBef>
+              <a:spcAft>
+                <a:spcPts val="0"/>
+              </a:spcAft>
+              <a:buNone/>
+            </a:pPr>
+            <a:r>
+              <a:rPr lang="en"/>
+              <a:t>TCP Attacks </a:t>
+            </a:r>
+            <a:endParaRPr/>
+          </a:p>
+        </p:txBody>
+      </p:sp>
+      <p:sp>
+        <p:nvSpPr>
+          <p:cNvPr id="275" name="Google Shape;275;p37"/>
+          <p:cNvSpPr txBox="1">
+            <a:spLocks noGrp="1"/>
+          </p:cNvSpPr>
+          <p:nvPr>
+            <p:ph type="body" idx="1"/>
+          </p:nvPr>
+        </p:nvSpPr>
+        <p:spPr>
+          <a:xfrm>
+            <a:off x="198500" y="1246825"/>
+            <a:ext cx="8520600" cy="3765600"/>
+          </a:xfrm>
+          <a:prstGeom prst="rect">
+            <a:avLst/>
+          </a:prstGeom>
+        </p:spPr>
+        <p:txBody>
+          <a:bodyPr spcFirstLastPara="1" wrap="square" lIns="91425" tIns="91425" rIns="91425" bIns="91425" anchor="t" anchorCtr="0">
+            <a:normAutofit/>
+          </a:bodyPr>
+          <a:lstStyle/>
+          <a:p>
+            <a:pPr marL="457200" lvl="0" indent="-342900" algn="l" rtl="0">
+              <a:spcBef>
+                <a:spcPts val="0"/>
+              </a:spcBef>
+              <a:spcAft>
+                <a:spcPts val="0"/>
+              </a:spcAft>
+              <a:buSzPts val="1800"/>
+              <a:buChar char="●"/>
+            </a:pPr>
+            <a:r>
+              <a:rPr lang="en" b="1" dirty="0"/>
+              <a:t>TCP spoofing</a:t>
+            </a:r>
+            <a:r>
+              <a:rPr lang="en" dirty="0"/>
+              <a:t>: Spoofing a TCP connection to appear to come from another source IP address</a:t>
+            </a:r>
+            <a:endParaRPr dirty="0"/>
+          </a:p>
+          <a:p>
+            <a:pPr marL="914400" lvl="1" indent="-317500" algn="l" rtl="0">
+              <a:spcBef>
+                <a:spcPts val="0"/>
+              </a:spcBef>
+              <a:spcAft>
+                <a:spcPts val="0"/>
+              </a:spcAft>
+              <a:buSzPts val="1400"/>
+              <a:buChar char="○"/>
+            </a:pPr>
+            <a:r>
+              <a:rPr lang="en" dirty="0"/>
+              <a:t>Need to know: Sequence number in the server’s response SYN-ACK packet</a:t>
+            </a:r>
+            <a:endParaRPr dirty="0"/>
+          </a:p>
+          <a:p>
+            <a:pPr marL="914400" lvl="1" indent="-317500" algn="l" rtl="0">
+              <a:spcBef>
+                <a:spcPts val="0"/>
+              </a:spcBef>
+              <a:spcAft>
+                <a:spcPts val="0"/>
+              </a:spcAft>
+              <a:buSzPts val="1400"/>
+              <a:buChar char="○"/>
+            </a:pPr>
+            <a:r>
+              <a:rPr lang="en" dirty="0"/>
+              <a:t>Easy for MITM and on-path attackers, but off-path attackers must guess 32-bit sequence number (called </a:t>
+            </a:r>
+            <a:r>
+              <a:rPr lang="en" b="1" dirty="0"/>
+              <a:t>blind spoofing</a:t>
+            </a:r>
+            <a:r>
+              <a:rPr lang="en" dirty="0"/>
+              <a:t>, also considered difficult)</a:t>
+            </a:r>
+            <a:endParaRPr dirty="0"/>
+          </a:p>
+          <a:p>
+            <a:pPr marL="914400" lvl="1" indent="-317500" algn="l" rtl="0">
+              <a:spcBef>
+                <a:spcPts val="0"/>
+              </a:spcBef>
+              <a:spcAft>
+                <a:spcPts val="0"/>
+              </a:spcAft>
+              <a:buSzPts val="1400"/>
+              <a:buChar char="○"/>
+            </a:pPr>
+            <a:r>
+              <a:rPr lang="en" dirty="0"/>
+              <a:t>For on-path attackers, this is a race condition, since the real client will send a RST upon receiving the server’s SYN-ACK!</a:t>
+            </a:r>
+            <a:endParaRPr dirty="0"/>
+          </a:p>
+        </p:txBody>
+      </p:sp>
+      <p:sp>
+        <p:nvSpPr>
+          <p:cNvPr id="276" name="Google Shape;276;p37"/>
+          <p:cNvSpPr txBox="1">
+            <a:spLocks noGrp="1"/>
+          </p:cNvSpPr>
+          <p:nvPr>
+            <p:ph type="sldNum" idx="12"/>
+          </p:nvPr>
+        </p:nvSpPr>
+        <p:spPr>
+          <a:xfrm>
+            <a:off x="8472458" y="4663217"/>
+            <a:ext cx="548700" cy="393600"/>
+          </a:xfrm>
+          <a:prstGeom prst="rect">
+            <a:avLst/>
+          </a:prstGeom>
+        </p:spPr>
+        <p:txBody>
+          <a:bodyPr spcFirstLastPara="1" wrap="square" lIns="91425" tIns="91425" rIns="91425" bIns="91425" anchor="ctr" anchorCtr="0">
+            <a:normAutofit/>
+          </a:bodyPr>
+          <a:lstStyle/>
+          <a:p>
+            <a:pPr marL="0" lvl="0" indent="0" algn="r" rtl="0">
+              <a:spcBef>
+                <a:spcPts val="0"/>
+              </a:spcBef>
+              <a:spcAft>
+                <a:spcPts val="0"/>
+              </a:spcAft>
+              <a:buNone/>
+            </a:pPr>
+            <a:fld id="{00000000-1234-1234-1234-123412341234}" type="slidenum">
+              <a:rPr lang="en"/>
+              <a:t>19</a:t>
+            </a:fld>
+            <a:endParaRPr/>
+          </a:p>
+        </p:txBody>
+      </p:sp>
+    </p:spTree>
+  </p:cSld>
+  <p:clrMapOvr>
+    <a:masterClrMapping/>
+  </p:clrMapOvr>
+  <p:timing>
+    <p:tnLst>
+      <p:par>
+        <p:cTn id="1" dur="indefinite" restart="never" nodeType="tmRoot">
+          <p:childTnLst>
+            <p:seq concurrent="1" nextAc="seek">
+              <p:cTn id="2" dur="indefinite" nodeType="mainSeq">
+                <p:childTnLst>
+                  <p:par>
+                    <p:cTn id="3" fill="hold">
+                      <p:stCondLst>
+                        <p:cond delay="indefinite"/>
+                      </p:stCondLst>
+                      <p:childTnLst>
+                        <p:par>
+                          <p:cTn id="4" fill="hold">
+                            <p:stCondLst>
+                              <p:cond delay="0"/>
+                            </p:stCondLst>
+                            <p:childTnLst>
+                              <p:par>
+                                <p:cTn id="5" presetID="1" presetClass="entr" presetSubtype="0" fill="hold" nodeType="clickEffect">
+                                  <p:stCondLst>
+                                    <p:cond delay="0"/>
+                                  </p:stCondLst>
+                                  <p:childTnLst>
+                                    <p:set>
+                                      <p:cBhvr>
+                                        <p:cTn id="6" dur="1" fill="hold">
+                                          <p:stCondLst>
+                                            <p:cond delay="0"/>
+                                          </p:stCondLst>
+                                        </p:cTn>
+                                        <p:tgtEl>
+                                          <p:spTgt spid="275">
+                                            <p:txEl>
+                                              <p:pRg st="1" end="1"/>
+                                            </p:txEl>
+                                          </p:spTgt>
+                                        </p:tgtEl>
+                                        <p:attrNameLst>
+                                          <p:attrName>style.visibility</p:attrName>
+                                        </p:attrNameLst>
+                                      </p:cBhvr>
+                                      <p:to>
+                                        <p:strVal val="visible"/>
+                                      </p:to>
+                                    </p:set>
+                                  </p:childTnLst>
+                                </p:cTn>
+                              </p:par>
+                            </p:childTnLst>
+                          </p:cTn>
+                        </p:par>
+                      </p:childTnLst>
+                    </p:cTn>
+                  </p:par>
+                  <p:par>
+                    <p:cTn id="7" fill="hold">
+                      <p:stCondLst>
+                        <p:cond delay="indefinite"/>
+                      </p:stCondLst>
+                      <p:childTnLst>
+                        <p:par>
+                          <p:cTn id="8" fill="hold">
+                            <p:stCondLst>
+                              <p:cond delay="0"/>
+                            </p:stCondLst>
+                            <p:childTnLst>
+                              <p:par>
+                                <p:cTn id="9" presetID="1" presetClass="entr" presetSubtype="0" fill="hold" nodeType="clickEffect">
+                                  <p:stCondLst>
+                                    <p:cond delay="0"/>
+                                  </p:stCondLst>
+                                  <p:childTnLst>
+                                    <p:set>
+                                      <p:cBhvr>
+                                        <p:cTn id="10" dur="1" fill="hold">
+                                          <p:stCondLst>
+                                            <p:cond delay="0"/>
+                                          </p:stCondLst>
+                                        </p:cTn>
+                                        <p:tgtEl>
+                                          <p:spTgt spid="275">
+                                            <p:txEl>
+                                              <p:pRg st="2" end="2"/>
+                                            </p:txEl>
+                                          </p:spTgt>
+                                        </p:tgtEl>
+                                        <p:attrNameLst>
+                                          <p:attrName>style.visibility</p:attrName>
+                                        </p:attrNameLst>
+                                      </p:cBhvr>
+                                      <p:to>
+                                        <p:strVal val="visible"/>
+                                      </p:to>
+                                    </p:set>
+                                  </p:childTnLst>
+                                </p:cTn>
+                              </p:par>
+                            </p:childTnLst>
+                          </p:cTn>
+                        </p:par>
+                      </p:childTnLst>
+                    </p:cTn>
+                  </p:par>
+                  <p:par>
+                    <p:cTn id="11" fill="hold">
+                      <p:stCondLst>
+                        <p:cond delay="indefinite"/>
+                      </p:stCondLst>
+                      <p:childTnLst>
+                        <p:par>
+                          <p:cTn id="12" fill="hold">
+                            <p:stCondLst>
+                              <p:cond delay="0"/>
+                            </p:stCondLst>
+                            <p:childTnLst>
+                              <p:par>
+                                <p:cTn id="13" presetID="1" presetClass="entr" presetSubtype="0" fill="hold" nodeType="clickEffect">
+                                  <p:stCondLst>
+                                    <p:cond delay="0"/>
+                                  </p:stCondLst>
+                                  <p:childTnLst>
+                                    <p:set>
+                                      <p:cBhvr>
+                                        <p:cTn id="14" dur="1" fill="hold">
+                                          <p:stCondLst>
+                                            <p:cond delay="0"/>
+                                          </p:stCondLst>
+                                        </p:cTn>
+                                        <p:tgtEl>
+                                          <p:spTgt spid="275">
+                                            <p:txEl>
+                                              <p:pRg st="3" end="3"/>
+                                            </p:txEl>
+                                          </p:spTgt>
                                         </p:tgtEl>
                                         <p:attrNameLst>
                                           <p:attrName>style.visibility</p:attrName>
